--- a/Source ppts/2 Condicionales.pptx
+++ b/Source ppts/2 Condicionales.pptx
@@ -5,7 +5,7 @@
     <p:sldMasterId id="2147483672" r:id="rId1"/>
   </p:sldMasterIdLst>
   <p:notesMasterIdLst>
-    <p:notesMasterId r:id="rId12"/>
+    <p:notesMasterId r:id="rId14"/>
   </p:notesMasterIdLst>
   <p:sldIdLst>
     <p:sldId id="296" r:id="rId2"/>
@@ -17,40 +17,42 @@
     <p:sldId id="305" r:id="rId8"/>
     <p:sldId id="306" r:id="rId9"/>
     <p:sldId id="309" r:id="rId10"/>
-    <p:sldId id="307" r:id="rId11"/>
+    <p:sldId id="310" r:id="rId11"/>
+    <p:sldId id="311" r:id="rId12"/>
+    <p:sldId id="307" r:id="rId13"/>
   </p:sldIdLst>
   <p:sldSz cx="9144000" cy="5143500" type="screen16x9"/>
   <p:notesSz cx="6858000" cy="9144000"/>
   <p:embeddedFontLst>
     <p:embeddedFont>
       <p:font typeface="Denk One" panose="020B0604020202020204" charset="0"/>
-      <p:regular r:id="rId13"/>
+      <p:regular r:id="rId15"/>
     </p:embeddedFont>
     <p:embeddedFont>
       <p:font typeface="Fira Sans Extra Condensed" panose="020B0503050000020004" pitchFamily="34" charset="0"/>
-      <p:regular r:id="rId14"/>
-      <p:bold r:id="rId15"/>
-      <p:italic r:id="rId16"/>
-      <p:boldItalic r:id="rId17"/>
+      <p:regular r:id="rId16"/>
+      <p:bold r:id="rId17"/>
+      <p:italic r:id="rId18"/>
+      <p:boldItalic r:id="rId19"/>
     </p:embeddedFont>
     <p:embeddedFont>
       <p:font typeface="Nunito Light" pitchFamily="2" charset="0"/>
-      <p:regular r:id="rId18"/>
-      <p:italic r:id="rId19"/>
+      <p:regular r:id="rId20"/>
+      <p:italic r:id="rId21"/>
     </p:embeddedFont>
     <p:embeddedFont>
       <p:font typeface="Quantico" panose="020B0604020202020204" charset="0"/>
-      <p:regular r:id="rId20"/>
-      <p:bold r:id="rId21"/>
-      <p:italic r:id="rId22"/>
-      <p:boldItalic r:id="rId23"/>
+      <p:regular r:id="rId22"/>
+      <p:bold r:id="rId23"/>
+      <p:italic r:id="rId24"/>
+      <p:boldItalic r:id="rId25"/>
     </p:embeddedFont>
     <p:embeddedFont>
       <p:font typeface="Source Code Pro" panose="020B0509030403020204" pitchFamily="49" charset="0"/>
-      <p:regular r:id="rId24"/>
-      <p:bold r:id="rId25"/>
-      <p:italic r:id="rId26"/>
-      <p:boldItalic r:id="rId27"/>
+      <p:regular r:id="rId26"/>
+      <p:bold r:id="rId27"/>
+      <p:italic r:id="rId28"/>
+      <p:boldItalic r:id="rId29"/>
     </p:embeddedFont>
   </p:embeddedFontLst>
   <p:defaultTextStyle>
@@ -282,19 +284,134 @@
       </a:defRPr>
     </a:lvl9pPr>
   </p:defaultTextStyle>
+  <p:extLst>
+    <p:ext uri="{EFAFB233-063F-42B5-8137-9DF3F51BA10A}">
+      <p15:sldGuideLst xmlns:p15="http://schemas.microsoft.com/office/powerpoint/2012/main"/>
+    </p:ext>
+  </p:extLst>
 </p:presentation>
 </file>
 
 <file path=ppt/revisionInfo.xml><?xml version="1.0" encoding="utf-8"?>
 <p1510:revInfo xmlns:a="http://schemas.openxmlformats.org/drawingml/2006/main" xmlns:r="http://schemas.openxmlformats.org/officeDocument/2006/relationships" xmlns:p1510="http://schemas.microsoft.com/office/powerpoint/2015/10/main">
   <p1510:revLst>
-    <p1510:client id="{13523388-110E-4323-842B-DF0BD0C20C5A}" v="17" dt="2023-08-09T19:12:48.782"/>
+    <p1510:client id="{0F2B0490-77C7-4C0F-B268-FA69AF64D857}" v="3" dt="2024-03-21T13:45:24.564"/>
   </p1510:revLst>
 </p1510:revInfo>
 </file>
 
 <file path=ppt/changesInfos/changesInfo1.xml><?xml version="1.0" encoding="utf-8"?>
 <pc:chgInfo xmlns:a="http://schemas.openxmlformats.org/drawingml/2006/main" xmlns:r="http://schemas.openxmlformats.org/officeDocument/2006/relationships" xmlns:ac="http://schemas.microsoft.com/office/drawing/2013/main/command" xmlns:pc="http://schemas.microsoft.com/office/powerpoint/2013/main/command">
+  <pc:docChgLst>
+    <pc:chgData name="Rolando Rojas Sanfuentes (Alumno)" userId="2c56a9b6-e5a8-48f6-bb7c-ce0866612bbb" providerId="ADAL" clId="{0F2B0490-77C7-4C0F-B268-FA69AF64D857}"/>
+    <pc:docChg chg="custSel addSld delSld modSld sldOrd">
+      <pc:chgData name="Rolando Rojas Sanfuentes (Alumno)" userId="2c56a9b6-e5a8-48f6-bb7c-ce0866612bbb" providerId="ADAL" clId="{0F2B0490-77C7-4C0F-B268-FA69AF64D857}" dt="2024-03-21T13:58:51.816" v="383" actId="1076"/>
+      <pc:docMkLst>
+        <pc:docMk/>
+      </pc:docMkLst>
+      <pc:sldChg chg="addSp delSp modSp add mod ord">
+        <pc:chgData name="Rolando Rojas Sanfuentes (Alumno)" userId="2c56a9b6-e5a8-48f6-bb7c-ce0866612bbb" providerId="ADAL" clId="{0F2B0490-77C7-4C0F-B268-FA69AF64D857}" dt="2024-03-21T13:58:51.816" v="383" actId="1076"/>
+        <pc:sldMkLst>
+          <pc:docMk/>
+          <pc:sldMk cId="1548450434" sldId="310"/>
+        </pc:sldMkLst>
+        <pc:spChg chg="mod">
+          <ac:chgData name="Rolando Rojas Sanfuentes (Alumno)" userId="2c56a9b6-e5a8-48f6-bb7c-ce0866612bbb" providerId="ADAL" clId="{0F2B0490-77C7-4C0F-B268-FA69AF64D857}" dt="2024-03-21T13:31:35.209" v="9" actId="20577"/>
+          <ac:spMkLst>
+            <pc:docMk/>
+            <pc:sldMk cId="1548450434" sldId="310"/>
+            <ac:spMk id="257" creationId="{00000000-0000-0000-0000-000000000000}"/>
+          </ac:spMkLst>
+        </pc:spChg>
+        <pc:spChg chg="mod">
+          <ac:chgData name="Rolando Rojas Sanfuentes (Alumno)" userId="2c56a9b6-e5a8-48f6-bb7c-ce0866612bbb" providerId="ADAL" clId="{0F2B0490-77C7-4C0F-B268-FA69AF64D857}" dt="2024-03-21T13:58:49.936" v="382" actId="20577"/>
+          <ac:spMkLst>
+            <pc:docMk/>
+            <pc:sldMk cId="1548450434" sldId="310"/>
+            <ac:spMk id="258" creationId="{00000000-0000-0000-0000-000000000000}"/>
+          </ac:spMkLst>
+        </pc:spChg>
+        <pc:picChg chg="del">
+          <ac:chgData name="Rolando Rojas Sanfuentes (Alumno)" userId="2c56a9b6-e5a8-48f6-bb7c-ce0866612bbb" providerId="ADAL" clId="{0F2B0490-77C7-4C0F-B268-FA69AF64D857}" dt="2024-03-21T13:31:39.671" v="11" actId="478"/>
+          <ac:picMkLst>
+            <pc:docMk/>
+            <pc:sldMk cId="1548450434" sldId="310"/>
+            <ac:picMk id="3" creationId="{FE907E11-3940-65B8-2B9E-F13524AD4817}"/>
+          </ac:picMkLst>
+        </pc:picChg>
+        <pc:picChg chg="add mod">
+          <ac:chgData name="Rolando Rojas Sanfuentes (Alumno)" userId="2c56a9b6-e5a8-48f6-bb7c-ce0866612bbb" providerId="ADAL" clId="{0F2B0490-77C7-4C0F-B268-FA69AF64D857}" dt="2024-03-21T13:58:51.816" v="383" actId="1076"/>
+          <ac:picMkLst>
+            <pc:docMk/>
+            <pc:sldMk cId="1548450434" sldId="310"/>
+            <ac:picMk id="4" creationId="{31182908-08B9-76A5-C8C7-C899CDEE8983}"/>
+          </ac:picMkLst>
+        </pc:picChg>
+        <pc:picChg chg="del">
+          <ac:chgData name="Rolando Rojas Sanfuentes (Alumno)" userId="2c56a9b6-e5a8-48f6-bb7c-ce0866612bbb" providerId="ADAL" clId="{0F2B0490-77C7-4C0F-B268-FA69AF64D857}" dt="2024-03-21T13:31:41.094" v="12" actId="478"/>
+          <ac:picMkLst>
+            <pc:docMk/>
+            <pc:sldMk cId="1548450434" sldId="310"/>
+            <ac:picMk id="5" creationId="{13BD1F66-6FE0-98E5-9BAA-930184515C34}"/>
+          </ac:picMkLst>
+        </pc:picChg>
+        <pc:picChg chg="del">
+          <ac:chgData name="Rolando Rojas Sanfuentes (Alumno)" userId="2c56a9b6-e5a8-48f6-bb7c-ce0866612bbb" providerId="ADAL" clId="{0F2B0490-77C7-4C0F-B268-FA69AF64D857}" dt="2024-03-21T13:31:38.165" v="10" actId="478"/>
+          <ac:picMkLst>
+            <pc:docMk/>
+            <pc:sldMk cId="1548450434" sldId="310"/>
+            <ac:picMk id="7" creationId="{6B3DDF5B-ACA4-F197-10E6-D1A40CE2EF9B}"/>
+          </ac:picMkLst>
+        </pc:picChg>
+      </pc:sldChg>
+      <pc:sldChg chg="addSp delSp modSp add mod">
+        <pc:chgData name="Rolando Rojas Sanfuentes (Alumno)" userId="2c56a9b6-e5a8-48f6-bb7c-ce0866612bbb" providerId="ADAL" clId="{0F2B0490-77C7-4C0F-B268-FA69AF64D857}" dt="2024-03-21T13:47:38.079" v="379" actId="1076"/>
+        <pc:sldMkLst>
+          <pc:docMk/>
+          <pc:sldMk cId="2711405011" sldId="311"/>
+        </pc:sldMkLst>
+        <pc:spChg chg="add mod">
+          <ac:chgData name="Rolando Rojas Sanfuentes (Alumno)" userId="2c56a9b6-e5a8-48f6-bb7c-ce0866612bbb" providerId="ADAL" clId="{0F2B0490-77C7-4C0F-B268-FA69AF64D857}" dt="2024-03-21T13:45:24.564" v="376"/>
+          <ac:spMkLst>
+            <pc:docMk/>
+            <pc:sldMk cId="2711405011" sldId="311"/>
+            <ac:spMk id="2" creationId="{3E39E451-E4C3-E10A-D1F6-EE694C3F2B38}"/>
+          </ac:spMkLst>
+        </pc:spChg>
+        <pc:spChg chg="mod">
+          <ac:chgData name="Rolando Rojas Sanfuentes (Alumno)" userId="2c56a9b6-e5a8-48f6-bb7c-ce0866612bbb" providerId="ADAL" clId="{0F2B0490-77C7-4C0F-B268-FA69AF64D857}" dt="2024-03-21T13:45:21.123" v="374" actId="20577"/>
+          <ac:spMkLst>
+            <pc:docMk/>
+            <pc:sldMk cId="2711405011" sldId="311"/>
+            <ac:spMk id="257" creationId="{00000000-0000-0000-0000-000000000000}"/>
+          </ac:spMkLst>
+        </pc:spChg>
+        <pc:spChg chg="add del mod">
+          <ac:chgData name="Rolando Rojas Sanfuentes (Alumno)" userId="2c56a9b6-e5a8-48f6-bb7c-ce0866612bbb" providerId="ADAL" clId="{0F2B0490-77C7-4C0F-B268-FA69AF64D857}" dt="2024-03-21T13:45:24.564" v="376"/>
+          <ac:spMkLst>
+            <pc:docMk/>
+            <pc:sldMk cId="2711405011" sldId="311"/>
+            <ac:spMk id="258" creationId="{00000000-0000-0000-0000-000000000000}"/>
+          </ac:spMkLst>
+        </pc:spChg>
+        <pc:picChg chg="add mod">
+          <ac:chgData name="Rolando Rojas Sanfuentes (Alumno)" userId="2c56a9b6-e5a8-48f6-bb7c-ce0866612bbb" providerId="ADAL" clId="{0F2B0490-77C7-4C0F-B268-FA69AF64D857}" dt="2024-03-21T13:47:38.079" v="379" actId="1076"/>
+          <ac:picMkLst>
+            <pc:docMk/>
+            <pc:sldMk cId="2711405011" sldId="311"/>
+            <ac:picMk id="4" creationId="{D2D3A36C-A638-7731-764F-F7C7E874859C}"/>
+          </ac:picMkLst>
+        </pc:picChg>
+      </pc:sldChg>
+      <pc:sldChg chg="new del">
+        <pc:chgData name="Rolando Rojas Sanfuentes (Alumno)" userId="2c56a9b6-e5a8-48f6-bb7c-ce0866612bbb" providerId="ADAL" clId="{0F2B0490-77C7-4C0F-B268-FA69AF64D857}" dt="2024-03-21T13:39:17.806" v="330" actId="47"/>
+        <pc:sldMkLst>
+          <pc:docMk/>
+          <pc:sldMk cId="3299234595" sldId="311"/>
+        </pc:sldMkLst>
+      </pc:sldChg>
+    </pc:docChg>
+  </pc:docChgLst>
   <pc:docChgLst>
     <pc:chgData name="Rolando Rojas Sanfuentes (Alumno)" userId="2c56a9b6-e5a8-48f6-bb7c-ce0866612bbb" providerId="ADAL" clId="{13523388-110E-4323-842B-DF0BD0C20C5A}"/>
     <pc:docChg chg="undo redo custSel addSld delSld modSld delMainMaster">
@@ -1710,6 +1827,224 @@
 </file>
 
 <file path=ppt/notesSlides/notesSlide10.xml><?xml version="1.0" encoding="utf-8"?>
+<p:notes xmlns:a="http://schemas.openxmlformats.org/drawingml/2006/main" xmlns:r="http://schemas.openxmlformats.org/officeDocument/2006/relationships" xmlns:p="http://schemas.openxmlformats.org/presentationml/2006/main" showMasterSp="0" showMasterPhAnim="0">
+  <p:cSld>
+    <p:spTree>
+      <p:nvGrpSpPr>
+        <p:cNvPr id="1" name="Shape 250"/>
+        <p:cNvGrpSpPr/>
+        <p:nvPr/>
+      </p:nvGrpSpPr>
+      <p:grpSpPr>
+        <a:xfrm>
+          <a:off x="0" y="0"/>
+          <a:ext cx="0" cy="0"/>
+          <a:chOff x="0" y="0"/>
+          <a:chExt cx="0" cy="0"/>
+        </a:xfrm>
+      </p:grpSpPr>
+      <p:sp>
+        <p:nvSpPr>
+          <p:cNvPr id="251" name="Google Shape;251;gcc9050bdf8_0_234:notes"/>
+          <p:cNvSpPr>
+            <a:spLocks noGrp="1" noRot="1" noChangeAspect="1"/>
+          </p:cNvSpPr>
+          <p:nvPr>
+            <p:ph type="sldImg" idx="2"/>
+          </p:nvPr>
+        </p:nvSpPr>
+        <p:spPr>
+          <a:xfrm>
+            <a:off x="381000" y="685800"/>
+            <a:ext cx="6096000" cy="3429000"/>
+          </a:xfrm>
+          <a:custGeom>
+            <a:avLst/>
+            <a:gdLst/>
+            <a:ahLst/>
+            <a:cxnLst/>
+            <a:rect l="l" t="t" r="r" b="b"/>
+            <a:pathLst>
+              <a:path w="120000" h="120000" extrusionOk="0">
+                <a:moveTo>
+                  <a:pt x="0" y="0"/>
+                </a:moveTo>
+                <a:lnTo>
+                  <a:pt x="120000" y="0"/>
+                </a:lnTo>
+                <a:lnTo>
+                  <a:pt x="120000" y="120000"/>
+                </a:lnTo>
+                <a:lnTo>
+                  <a:pt x="0" y="120000"/>
+                </a:lnTo>
+                <a:close/>
+              </a:path>
+            </a:pathLst>
+          </a:custGeom>
+        </p:spPr>
+      </p:sp>
+      <p:sp>
+        <p:nvSpPr>
+          <p:cNvPr id="252" name="Google Shape;252;gcc9050bdf8_0_234:notes"/>
+          <p:cNvSpPr txBox="1">
+            <a:spLocks noGrp="1"/>
+          </p:cNvSpPr>
+          <p:nvPr>
+            <p:ph type="body" idx="1"/>
+          </p:nvPr>
+        </p:nvSpPr>
+        <p:spPr>
+          <a:xfrm>
+            <a:off x="685800" y="4343400"/>
+            <a:ext cx="5486400" cy="4114800"/>
+          </a:xfrm>
+          <a:prstGeom prst="rect">
+            <a:avLst/>
+          </a:prstGeom>
+        </p:spPr>
+        <p:txBody>
+          <a:bodyPr spcFirstLastPara="1" wrap="square" lIns="91425" tIns="91425" rIns="91425" bIns="91425" anchor="t" anchorCtr="0">
+            <a:noAutofit/>
+          </a:bodyPr>
+          <a:lstStyle/>
+          <a:p>
+            <a:pPr marL="0" lvl="0" indent="0" algn="l" rtl="0">
+              <a:spcBef>
+                <a:spcPts val="0"/>
+              </a:spcBef>
+              <a:spcAft>
+                <a:spcPts val="0"/>
+              </a:spcAft>
+              <a:buNone/>
+            </a:pPr>
+            <a:endParaRPr/>
+          </a:p>
+        </p:txBody>
+      </p:sp>
+    </p:spTree>
+    <p:extLst>
+      <p:ext uri="{BB962C8B-B14F-4D97-AF65-F5344CB8AC3E}">
+        <p14:creationId xmlns:p14="http://schemas.microsoft.com/office/powerpoint/2010/main" val="3088742727"/>
+      </p:ext>
+    </p:extLst>
+  </p:cSld>
+  <p:clrMapOvr>
+    <a:masterClrMapping/>
+  </p:clrMapOvr>
+</p:notes>
+</file>
+
+<file path=ppt/notesSlides/notesSlide11.xml><?xml version="1.0" encoding="utf-8"?>
+<p:notes xmlns:a="http://schemas.openxmlformats.org/drawingml/2006/main" xmlns:r="http://schemas.openxmlformats.org/officeDocument/2006/relationships" xmlns:p="http://schemas.openxmlformats.org/presentationml/2006/main" showMasterSp="0" showMasterPhAnim="0">
+  <p:cSld>
+    <p:spTree>
+      <p:nvGrpSpPr>
+        <p:cNvPr id="1" name="Shape 250"/>
+        <p:cNvGrpSpPr/>
+        <p:nvPr/>
+      </p:nvGrpSpPr>
+      <p:grpSpPr>
+        <a:xfrm>
+          <a:off x="0" y="0"/>
+          <a:ext cx="0" cy="0"/>
+          <a:chOff x="0" y="0"/>
+          <a:chExt cx="0" cy="0"/>
+        </a:xfrm>
+      </p:grpSpPr>
+      <p:sp>
+        <p:nvSpPr>
+          <p:cNvPr id="251" name="Google Shape;251;gcc9050bdf8_0_234:notes"/>
+          <p:cNvSpPr>
+            <a:spLocks noGrp="1" noRot="1" noChangeAspect="1"/>
+          </p:cNvSpPr>
+          <p:nvPr>
+            <p:ph type="sldImg" idx="2"/>
+          </p:nvPr>
+        </p:nvSpPr>
+        <p:spPr>
+          <a:xfrm>
+            <a:off x="381000" y="685800"/>
+            <a:ext cx="6096000" cy="3429000"/>
+          </a:xfrm>
+          <a:custGeom>
+            <a:avLst/>
+            <a:gdLst/>
+            <a:ahLst/>
+            <a:cxnLst/>
+            <a:rect l="l" t="t" r="r" b="b"/>
+            <a:pathLst>
+              <a:path w="120000" h="120000" extrusionOk="0">
+                <a:moveTo>
+                  <a:pt x="0" y="0"/>
+                </a:moveTo>
+                <a:lnTo>
+                  <a:pt x="120000" y="0"/>
+                </a:lnTo>
+                <a:lnTo>
+                  <a:pt x="120000" y="120000"/>
+                </a:lnTo>
+                <a:lnTo>
+                  <a:pt x="0" y="120000"/>
+                </a:lnTo>
+                <a:close/>
+              </a:path>
+            </a:pathLst>
+          </a:custGeom>
+        </p:spPr>
+      </p:sp>
+      <p:sp>
+        <p:nvSpPr>
+          <p:cNvPr id="252" name="Google Shape;252;gcc9050bdf8_0_234:notes"/>
+          <p:cNvSpPr txBox="1">
+            <a:spLocks noGrp="1"/>
+          </p:cNvSpPr>
+          <p:nvPr>
+            <p:ph type="body" idx="1"/>
+          </p:nvPr>
+        </p:nvSpPr>
+        <p:spPr>
+          <a:xfrm>
+            <a:off x="685800" y="4343400"/>
+            <a:ext cx="5486400" cy="4114800"/>
+          </a:xfrm>
+          <a:prstGeom prst="rect">
+            <a:avLst/>
+          </a:prstGeom>
+        </p:spPr>
+        <p:txBody>
+          <a:bodyPr spcFirstLastPara="1" wrap="square" lIns="91425" tIns="91425" rIns="91425" bIns="91425" anchor="t" anchorCtr="0">
+            <a:noAutofit/>
+          </a:bodyPr>
+          <a:lstStyle/>
+          <a:p>
+            <a:pPr marL="0" lvl="0" indent="0" algn="l" rtl="0">
+              <a:spcBef>
+                <a:spcPts val="0"/>
+              </a:spcBef>
+              <a:spcAft>
+                <a:spcPts val="0"/>
+              </a:spcAft>
+              <a:buNone/>
+            </a:pPr>
+            <a:endParaRPr/>
+          </a:p>
+        </p:txBody>
+      </p:sp>
+    </p:spTree>
+    <p:extLst>
+      <p:ext uri="{BB962C8B-B14F-4D97-AF65-F5344CB8AC3E}">
+        <p14:creationId xmlns:p14="http://schemas.microsoft.com/office/powerpoint/2010/main" val="899880880"/>
+      </p:ext>
+    </p:extLst>
+  </p:cSld>
+  <p:clrMapOvr>
+    <a:masterClrMapping/>
+  </p:clrMapOvr>
+</p:notes>
+</file>
+
+<file path=ppt/notesSlides/notesSlide12.xml><?xml version="1.0" encoding="utf-8"?>
 <p:notes xmlns:a="http://schemas.openxmlformats.org/drawingml/2006/main" xmlns:r="http://schemas.openxmlformats.org/officeDocument/2006/relationships" xmlns:p="http://schemas.openxmlformats.org/presentationml/2006/main" showMasterSp="0" showMasterPhAnim="0">
   <p:cSld>
     <p:spTree>
@@ -11292,6 +11627,371 @@
   <p:cSld>
     <p:spTree>
       <p:nvGrpSpPr>
+        <p:cNvPr id="1" name="Shape 253"/>
+        <p:cNvGrpSpPr/>
+        <p:nvPr/>
+      </p:nvGrpSpPr>
+      <p:grpSpPr>
+        <a:xfrm>
+          <a:off x="0" y="0"/>
+          <a:ext cx="0" cy="0"/>
+          <a:chOff x="0" y="0"/>
+          <a:chExt cx="0" cy="0"/>
+        </a:xfrm>
+      </p:grpSpPr>
+      <p:sp>
+        <p:nvSpPr>
+          <p:cNvPr id="257" name="Google Shape;257;p30"/>
+          <p:cNvSpPr txBox="1">
+            <a:spLocks noGrp="1"/>
+          </p:cNvSpPr>
+          <p:nvPr>
+            <p:ph type="title"/>
+          </p:nvPr>
+        </p:nvSpPr>
+        <p:spPr>
+          <a:xfrm>
+            <a:off x="720000" y="475500"/>
+            <a:ext cx="7704000" cy="557700"/>
+          </a:xfrm>
+          <a:prstGeom prst="rect">
+            <a:avLst/>
+          </a:prstGeom>
+        </p:spPr>
+        <p:txBody>
+          <a:bodyPr spcFirstLastPara="1" wrap="square" lIns="91425" tIns="91425" rIns="91425" bIns="91425" anchor="t" anchorCtr="0">
+            <a:noAutofit/>
+          </a:bodyPr>
+          <a:lstStyle/>
+          <a:p>
+            <a:pPr marL="0" lvl="0" indent="0" algn="l" rtl="0">
+              <a:spcBef>
+                <a:spcPts val="0"/>
+              </a:spcBef>
+              <a:spcAft>
+                <a:spcPts val="0"/>
+              </a:spcAft>
+              <a:buNone/>
+            </a:pPr>
+            <a:r>
+              <a:rPr lang="en" dirty="0">
+                <a:solidFill>
+                  <a:schemeClr val="lt2"/>
+                </a:solidFill>
+              </a:rPr>
+              <a:t>&lt;/ </a:t>
+            </a:r>
+            <a:r>
+              <a:rPr lang="en" dirty="0"/>
+              <a:t>Ejemplo</a:t>
+            </a:r>
+            <a:endParaRPr dirty="0"/>
+          </a:p>
+        </p:txBody>
+      </p:sp>
+      <p:sp>
+        <p:nvSpPr>
+          <p:cNvPr id="258" name="Google Shape;258;p30"/>
+          <p:cNvSpPr txBox="1">
+            <a:spLocks noGrp="1"/>
+          </p:cNvSpPr>
+          <p:nvPr>
+            <p:ph type="body" idx="1"/>
+          </p:nvPr>
+        </p:nvSpPr>
+        <p:spPr>
+          <a:xfrm>
+            <a:off x="720000" y="1142999"/>
+            <a:ext cx="7946018" cy="2756225"/>
+          </a:xfrm>
+          <a:prstGeom prst="rect">
+            <a:avLst/>
+          </a:prstGeom>
+        </p:spPr>
+        <p:txBody>
+          <a:bodyPr spcFirstLastPara="1" wrap="square" lIns="91425" tIns="91425" rIns="91425" bIns="91425" anchor="t" anchorCtr="0">
+            <a:noAutofit/>
+          </a:bodyPr>
+          <a:lstStyle/>
+          <a:p>
+            <a:pPr marL="0" lvl="0" indent="0" algn="l" rtl="0">
+              <a:spcBef>
+                <a:spcPts val="0"/>
+              </a:spcBef>
+              <a:spcAft>
+                <a:spcPts val="0"/>
+              </a:spcAft>
+              <a:buNone/>
+            </a:pPr>
+            <a:r>
+              <a:rPr lang="en" sz="1400" dirty="0"/>
+              <a:t>Haga un programa que calcule el sueldo bruto de los empleados en una empresa.</a:t>
+            </a:r>
+          </a:p>
+          <a:p>
+            <a:pPr marL="0" lvl="0" indent="0" algn="l" rtl="0">
+              <a:spcBef>
+                <a:spcPts val="0"/>
+              </a:spcBef>
+              <a:spcAft>
+                <a:spcPts val="0"/>
+              </a:spcAft>
+              <a:buNone/>
+            </a:pPr>
+            <a:endParaRPr lang="en" sz="1400" dirty="0"/>
+          </a:p>
+          <a:p>
+            <a:pPr marL="0" indent="0">
+              <a:buNone/>
+            </a:pPr>
+            <a:r>
+              <a:rPr lang="en" sz="1400" dirty="0"/>
+              <a:t>El sueldo base es de $500.000. Si se hacen horas extras se debe sumar $5.000 por cada hora. Si cumplió sus metas establecidas para este mes se le paga un 20% extra del sueldo base. </a:t>
+            </a:r>
+          </a:p>
+          <a:p>
+            <a:pPr marL="0" indent="0">
+              <a:buNone/>
+            </a:pPr>
+            <a:endParaRPr lang="en" dirty="0"/>
+          </a:p>
+          <a:p>
+            <a:pPr marL="0" lvl="0" indent="0" algn="l" rtl="0">
+              <a:spcBef>
+                <a:spcPts val="0"/>
+              </a:spcBef>
+              <a:spcAft>
+                <a:spcPts val="0"/>
+              </a:spcAft>
+              <a:buNone/>
+            </a:pPr>
+            <a:endParaRPr lang="en" b="1" dirty="0"/>
+          </a:p>
+          <a:p>
+            <a:pPr marL="0" lvl="0" indent="0" algn="l" rtl="0">
+              <a:spcBef>
+                <a:spcPts val="0"/>
+              </a:spcBef>
+              <a:spcAft>
+                <a:spcPts val="0"/>
+              </a:spcAft>
+              <a:buNone/>
+            </a:pPr>
+            <a:r>
+              <a:rPr lang="en" b="1" dirty="0"/>
+              <a:t>Ejemplo de ejecución:</a:t>
+            </a:r>
+          </a:p>
+          <a:p>
+            <a:pPr marL="0" lvl="0" indent="0" algn="l" rtl="0">
+              <a:spcBef>
+                <a:spcPts val="0"/>
+              </a:spcBef>
+              <a:spcAft>
+                <a:spcPts val="0"/>
+              </a:spcAft>
+              <a:buNone/>
+            </a:pPr>
+            <a:endParaRPr lang="en" dirty="0"/>
+          </a:p>
+        </p:txBody>
+      </p:sp>
+      <p:pic>
+        <p:nvPicPr>
+          <p:cNvPr id="4" name="Imagen 3">
+            <a:extLst>
+              <a:ext uri="{FF2B5EF4-FFF2-40B4-BE49-F238E27FC236}">
+                <a16:creationId xmlns:a16="http://schemas.microsoft.com/office/drawing/2014/main" id="{31182908-08B9-76A5-C8C7-C899CDEE8983}"/>
+              </a:ext>
+            </a:extLst>
+          </p:cNvPr>
+          <p:cNvPicPr>
+            <a:picLocks noChangeAspect="1"/>
+          </p:cNvPicPr>
+          <p:nvPr/>
+        </p:nvPicPr>
+        <p:blipFill>
+          <a:blip r:embed="rId3"/>
+          <a:stretch>
+            <a:fillRect/>
+          </a:stretch>
+        </p:blipFill>
+        <p:spPr>
+          <a:xfrm>
+            <a:off x="1808081" y="3199925"/>
+            <a:ext cx="5306165" cy="600159"/>
+          </a:xfrm>
+          <a:prstGeom prst="rect">
+            <a:avLst/>
+          </a:prstGeom>
+        </p:spPr>
+      </p:pic>
+    </p:spTree>
+    <p:extLst>
+      <p:ext uri="{BB962C8B-B14F-4D97-AF65-F5344CB8AC3E}">
+        <p14:creationId xmlns:p14="http://schemas.microsoft.com/office/powerpoint/2010/main" val="1548450434"/>
+      </p:ext>
+    </p:extLst>
+  </p:cSld>
+  <p:clrMapOvr>
+    <a:masterClrMapping/>
+  </p:clrMapOvr>
+</p:sld>
+</file>
+
+<file path=ppt/slides/slide11.xml><?xml version="1.0" encoding="utf-8"?>
+<p:sld xmlns:a="http://schemas.openxmlformats.org/drawingml/2006/main" xmlns:r="http://schemas.openxmlformats.org/officeDocument/2006/relationships" xmlns:p="http://schemas.openxmlformats.org/presentationml/2006/main">
+  <p:cSld>
+    <p:spTree>
+      <p:nvGrpSpPr>
+        <p:cNvPr id="1" name="Shape 253"/>
+        <p:cNvGrpSpPr/>
+        <p:nvPr/>
+      </p:nvGrpSpPr>
+      <p:grpSpPr>
+        <a:xfrm>
+          <a:off x="0" y="0"/>
+          <a:ext cx="0" cy="0"/>
+          <a:chOff x="0" y="0"/>
+          <a:chExt cx="0" cy="0"/>
+        </a:xfrm>
+      </p:grpSpPr>
+      <p:sp>
+        <p:nvSpPr>
+          <p:cNvPr id="257" name="Google Shape;257;p30"/>
+          <p:cNvSpPr txBox="1">
+            <a:spLocks noGrp="1"/>
+          </p:cNvSpPr>
+          <p:nvPr>
+            <p:ph type="title"/>
+          </p:nvPr>
+        </p:nvSpPr>
+        <p:spPr>
+          <a:xfrm>
+            <a:off x="720000" y="475500"/>
+            <a:ext cx="7704000" cy="557700"/>
+          </a:xfrm>
+          <a:prstGeom prst="rect">
+            <a:avLst/>
+          </a:prstGeom>
+        </p:spPr>
+        <p:txBody>
+          <a:bodyPr spcFirstLastPara="1" wrap="square" lIns="91425" tIns="91425" rIns="91425" bIns="91425" anchor="t" anchorCtr="0">
+            <a:noAutofit/>
+          </a:bodyPr>
+          <a:lstStyle/>
+          <a:p>
+            <a:pPr marL="0" lvl="0" indent="0" algn="l" rtl="0">
+              <a:spcBef>
+                <a:spcPts val="0"/>
+              </a:spcBef>
+              <a:spcAft>
+                <a:spcPts val="0"/>
+              </a:spcAft>
+              <a:buNone/>
+            </a:pPr>
+            <a:r>
+              <a:rPr lang="en" dirty="0">
+                <a:solidFill>
+                  <a:schemeClr val="lt2"/>
+                </a:solidFill>
+              </a:rPr>
+              <a:t>&lt;/ </a:t>
+            </a:r>
+            <a:r>
+              <a:rPr lang="en" dirty="0"/>
+              <a:t>Ejemplo solucion</a:t>
+            </a:r>
+            <a:endParaRPr dirty="0"/>
+          </a:p>
+        </p:txBody>
+      </p:sp>
+      <p:sp>
+        <p:nvSpPr>
+          <p:cNvPr id="258" name="Google Shape;258;p30"/>
+          <p:cNvSpPr txBox="1">
+            <a:spLocks noGrp="1"/>
+          </p:cNvSpPr>
+          <p:nvPr>
+            <p:ph type="body" idx="1"/>
+          </p:nvPr>
+        </p:nvSpPr>
+        <p:spPr>
+          <a:xfrm>
+            <a:off x="720000" y="1142999"/>
+            <a:ext cx="7946018" cy="2756225"/>
+          </a:xfrm>
+          <a:prstGeom prst="rect">
+            <a:avLst/>
+          </a:prstGeom>
+        </p:spPr>
+        <p:txBody>
+          <a:bodyPr spcFirstLastPara="1" wrap="square" lIns="91425" tIns="91425" rIns="91425" bIns="91425" anchor="t" anchorCtr="0">
+            <a:noAutofit/>
+          </a:bodyPr>
+          <a:lstStyle/>
+          <a:p>
+            <a:pPr marL="0" lvl="0" indent="0" algn="l" rtl="0">
+              <a:spcBef>
+                <a:spcPts val="0"/>
+              </a:spcBef>
+              <a:spcAft>
+                <a:spcPts val="0"/>
+              </a:spcAft>
+              <a:buNone/>
+            </a:pPr>
+            <a:endParaRPr lang="en" dirty="0"/>
+          </a:p>
+        </p:txBody>
+      </p:sp>
+      <p:pic>
+        <p:nvPicPr>
+          <p:cNvPr id="4" name="Imagen 3">
+            <a:extLst>
+              <a:ext uri="{FF2B5EF4-FFF2-40B4-BE49-F238E27FC236}">
+                <a16:creationId xmlns:a16="http://schemas.microsoft.com/office/drawing/2014/main" id="{D2D3A36C-A638-7731-764F-F7C7E874859C}"/>
+              </a:ext>
+            </a:extLst>
+          </p:cNvPr>
+          <p:cNvPicPr>
+            <a:picLocks noChangeAspect="1"/>
+          </p:cNvPicPr>
+          <p:nvPr/>
+        </p:nvPicPr>
+        <p:blipFill>
+          <a:blip r:embed="rId3"/>
+          <a:stretch>
+            <a:fillRect/>
+          </a:stretch>
+        </p:blipFill>
+        <p:spPr>
+          <a:xfrm>
+            <a:off x="1093585" y="1108664"/>
+            <a:ext cx="6956829" cy="2824894"/>
+          </a:xfrm>
+          <a:prstGeom prst="rect">
+            <a:avLst/>
+          </a:prstGeom>
+        </p:spPr>
+      </p:pic>
+    </p:spTree>
+    <p:extLst>
+      <p:ext uri="{BB962C8B-B14F-4D97-AF65-F5344CB8AC3E}">
+        <p14:creationId xmlns:p14="http://schemas.microsoft.com/office/powerpoint/2010/main" val="2711405011"/>
+      </p:ext>
+    </p:extLst>
+  </p:cSld>
+  <p:clrMapOvr>
+    <a:masterClrMapping/>
+  </p:clrMapOvr>
+</p:sld>
+</file>
+
+<file path=ppt/slides/slide12.xml><?xml version="1.0" encoding="utf-8"?>
+<p:sld xmlns:a="http://schemas.openxmlformats.org/drawingml/2006/main" xmlns:r="http://schemas.openxmlformats.org/officeDocument/2006/relationships" xmlns:p="http://schemas.openxmlformats.org/presentationml/2006/main">
+  <p:cSld>
+    <p:spTree>
+      <p:nvGrpSpPr>
         <p:cNvPr id="1" name="Shape 207"/>
         <p:cNvGrpSpPr/>
         <p:nvPr/>
